--- a/MTA Data Analysis of NYC Subway for WTWY_.pptx
+++ b/MTA Data Analysis of NYC Subway for WTWY_.pptx
@@ -8000,7 +8000,7 @@
             </a:r>
           </a:p>
           <a:p>
-            <a:pPr marL="857250" lvl="1" indent="-342900">
+            <a:pPr marL="800100" lvl="1" indent="-285750">
               <a:buFont typeface="Arial" panose="020B0604020202020204" pitchFamily="34" charset="0"/>
               <a:buChar char="•"/>
             </a:pPr>
@@ -8025,7 +8025,7 @@
             </a:r>
           </a:p>
           <a:p>
-            <a:pPr marL="857250" lvl="1" indent="-342900">
+            <a:pPr marL="800100" lvl="1" indent="-285750">
               <a:buFont typeface="Arial" panose="020B0604020202020204" pitchFamily="34" charset="0"/>
               <a:buChar char="•"/>
             </a:pPr>
@@ -8352,7 +8352,7 @@
           </a:bodyPr>
           <a:lstStyle/>
           <a:p>
-            <a:pPr marL="400050" indent="-228600">
+            <a:pPr marL="400050" indent="-342900">
               <a:buFont typeface="Arial" panose="020B0604020202020204" pitchFamily="34" charset="0"/>
               <a:buChar char="•"/>
             </a:pPr>
@@ -8377,12 +8377,12 @@
             </a:r>
           </a:p>
           <a:p>
-            <a:pPr marL="857250" lvl="1" indent="-228600">
+            <a:pPr marL="800100" lvl="1" indent="-285750">
               <a:buFont typeface="Arial" panose="020B0604020202020204" pitchFamily="34" charset="0"/>
               <a:buChar char="•"/>
             </a:pPr>
             <a:r>
-              <a:rPr lang="en-US" sz="2000" dirty="0">
+              <a:rPr lang="en-US" sz="1800" dirty="0">
                 <a:gradFill>
                   <a:gsLst>
                     <a:gs pos="34000">
@@ -8402,12 +8402,12 @@
             </a:r>
           </a:p>
           <a:p>
-            <a:pPr marL="857250" lvl="1" indent="-228600">
+            <a:pPr marL="800100" lvl="1" indent="-285750">
               <a:buFont typeface="Arial" panose="020B0604020202020204" pitchFamily="34" charset="0"/>
               <a:buChar char="•"/>
             </a:pPr>
             <a:r>
-              <a:rPr lang="en-US" sz="2000" dirty="0">
+              <a:rPr lang="en-US" sz="1800" dirty="0">
                 <a:gradFill>
                   <a:gsLst>
                     <a:gs pos="34000">
@@ -8427,12 +8427,12 @@
             </a:r>
           </a:p>
           <a:p>
-            <a:pPr marL="400050" indent="-228600">
+            <a:pPr marL="400050" indent="-342900">
               <a:buFont typeface="Arial" panose="020B0604020202020204" pitchFamily="34" charset="0"/>
               <a:buChar char="•"/>
             </a:pPr>
             <a:r>
-              <a:rPr lang="en-US" sz="2000" dirty="0">
+              <a:rPr lang="en-GB" sz="2000" dirty="0">
                 <a:gradFill>
                   <a:gsLst>
                     <a:gs pos="34000">
@@ -8452,12 +8452,12 @@
             </a:r>
           </a:p>
           <a:p>
-            <a:pPr marL="857250" lvl="1" indent="-228600">
+            <a:pPr marL="800100" lvl="1" indent="-285750">
               <a:buFont typeface="Arial" panose="020B0604020202020204" pitchFamily="34" charset="0"/>
               <a:buChar char="•"/>
             </a:pPr>
             <a:r>
-              <a:rPr lang="en-US" sz="2000" dirty="0">
+              <a:rPr lang="en-GB" sz="1800" dirty="0">
                 <a:gradFill>
                   <a:gsLst>
                     <a:gs pos="34000">
